--- a/spring-cloud/Sleuth.pptx
+++ b/spring-cloud/Sleuth.pptx
@@ -131,6 +131,11 @@
       </a:defRPr>
     </a:lvl9pPr>
   </p:defaultTextStyle>
+  <p:extLst>
+    <p:ext uri="{EFAFB233-063F-42B5-8137-9DF3F51BA10A}">
+      <p15:sldGuideLst xmlns:p15="http://schemas.microsoft.com/office/powerpoint/2012/main"/>
+    </p:ext>
+  </p:extLst>
 </p:presentation>
 </file>
 
@@ -265,7 +270,7 @@
           <a:p>
             <a:fld id="{92D3E5C1-B7E6-344D-A7A5-4C7D95EBB5CC}" type="datetimeFigureOut">
               <a:rPr lang="en-US" smtClean="0"/>
-              <a:t>6/23/19</a:t>
+              <a:t>6/25/19</a:t>
             </a:fld>
             <a:endParaRPr lang="en-US"/>
           </a:p>
@@ -435,7 +440,7 @@
           <a:p>
             <a:fld id="{92D3E5C1-B7E6-344D-A7A5-4C7D95EBB5CC}" type="datetimeFigureOut">
               <a:rPr lang="en-US" smtClean="0"/>
-              <a:t>6/23/19</a:t>
+              <a:t>6/25/19</a:t>
             </a:fld>
             <a:endParaRPr lang="en-US"/>
           </a:p>
@@ -615,7 +620,7 @@
           <a:p>
             <a:fld id="{92D3E5C1-B7E6-344D-A7A5-4C7D95EBB5CC}" type="datetimeFigureOut">
               <a:rPr lang="en-US" smtClean="0"/>
-              <a:t>6/23/19</a:t>
+              <a:t>6/25/19</a:t>
             </a:fld>
             <a:endParaRPr lang="en-US"/>
           </a:p>
@@ -785,7 +790,7 @@
           <a:p>
             <a:fld id="{92D3E5C1-B7E6-344D-A7A5-4C7D95EBB5CC}" type="datetimeFigureOut">
               <a:rPr lang="en-US" smtClean="0"/>
-              <a:t>6/23/19</a:t>
+              <a:t>6/25/19</a:t>
             </a:fld>
             <a:endParaRPr lang="en-US"/>
           </a:p>
@@ -1031,7 +1036,7 @@
           <a:p>
             <a:fld id="{92D3E5C1-B7E6-344D-A7A5-4C7D95EBB5CC}" type="datetimeFigureOut">
               <a:rPr lang="en-US" smtClean="0"/>
-              <a:t>6/23/19</a:t>
+              <a:t>6/25/19</a:t>
             </a:fld>
             <a:endParaRPr lang="en-US"/>
           </a:p>
@@ -1263,7 +1268,7 @@
           <a:p>
             <a:fld id="{92D3E5C1-B7E6-344D-A7A5-4C7D95EBB5CC}" type="datetimeFigureOut">
               <a:rPr lang="en-US" smtClean="0"/>
-              <a:t>6/23/19</a:t>
+              <a:t>6/25/19</a:t>
             </a:fld>
             <a:endParaRPr lang="en-US"/>
           </a:p>
@@ -1630,7 +1635,7 @@
           <a:p>
             <a:fld id="{92D3E5C1-B7E6-344D-A7A5-4C7D95EBB5CC}" type="datetimeFigureOut">
               <a:rPr lang="en-US" smtClean="0"/>
-              <a:t>6/23/19</a:t>
+              <a:t>6/25/19</a:t>
             </a:fld>
             <a:endParaRPr lang="en-US"/>
           </a:p>
@@ -1748,7 +1753,7 @@
           <a:p>
             <a:fld id="{92D3E5C1-B7E6-344D-A7A5-4C7D95EBB5CC}" type="datetimeFigureOut">
               <a:rPr lang="en-US" smtClean="0"/>
-              <a:t>6/23/19</a:t>
+              <a:t>6/25/19</a:t>
             </a:fld>
             <a:endParaRPr lang="en-US"/>
           </a:p>
@@ -1843,7 +1848,7 @@
           <a:p>
             <a:fld id="{92D3E5C1-B7E6-344D-A7A5-4C7D95EBB5CC}" type="datetimeFigureOut">
               <a:rPr lang="en-US" smtClean="0"/>
-              <a:t>6/23/19</a:t>
+              <a:t>6/25/19</a:t>
             </a:fld>
             <a:endParaRPr lang="en-US"/>
           </a:p>
@@ -2120,7 +2125,7 @@
           <a:p>
             <a:fld id="{92D3E5C1-B7E6-344D-A7A5-4C7D95EBB5CC}" type="datetimeFigureOut">
               <a:rPr lang="en-US" smtClean="0"/>
-              <a:t>6/23/19</a:t>
+              <a:t>6/25/19</a:t>
             </a:fld>
             <a:endParaRPr lang="en-US"/>
           </a:p>
@@ -2373,7 +2378,7 @@
           <a:p>
             <a:fld id="{92D3E5C1-B7E6-344D-A7A5-4C7D95EBB5CC}" type="datetimeFigureOut">
               <a:rPr lang="en-US" smtClean="0"/>
-              <a:t>6/23/19</a:t>
+              <a:t>6/25/19</a:t>
             </a:fld>
             <a:endParaRPr lang="en-US"/>
           </a:p>
@@ -2586,7 +2591,7 @@
           <a:p>
             <a:fld id="{92D3E5C1-B7E6-344D-A7A5-4C7D95EBB5CC}" type="datetimeFigureOut">
               <a:rPr lang="en-US" smtClean="0"/>
-              <a:t>6/23/19</a:t>
+              <a:t>6/25/19</a:t>
             </a:fld>
             <a:endParaRPr lang="en-US"/>
           </a:p>
@@ -5365,7 +5370,15 @@
             </a:r>
             <a:r>
               <a:rPr lang="zh-CN" altLang="en-US" dirty="0" smtClean="0"/>
-              <a:t>与微服务网络可能不同，使用</a:t>
+              <a:t>与微服务网络可能</a:t>
+            </a:r>
+            <a:r>
+              <a:rPr lang="zh-CN" altLang="en-US" dirty="0" smtClean="0"/>
+              <a:t>不通，</a:t>
+            </a:r>
+            <a:r>
+              <a:rPr lang="zh-CN" altLang="en-US" dirty="0" smtClean="0"/>
+              <a:t>使用</a:t>
             </a:r>
             <a:r>
               <a:rPr lang="en-US" altLang="zh-CN" dirty="0" smtClean="0"/>
